--- a/Posh365Demo/PPT/SetupOutlook.pptx
+++ b/Posh365Demo/PPT/SetupOutlook.pptx
@@ -6,11 +6,11 @@
   </p:sldMasterIdLst>
   <p:sldIdLst>
     <p:sldId id="260" r:id="rId5"/>
-    <p:sldId id="256" r:id="rId6"/>
-    <p:sldId id="257" r:id="rId7"/>
-    <p:sldId id="258" r:id="rId8"/>
-    <p:sldId id="259" r:id="rId9"/>
-    <p:sldId id="261" r:id="rId10"/>
+    <p:sldId id="261" r:id="rId6"/>
+    <p:sldId id="258" r:id="rId7"/>
+    <p:sldId id="259" r:id="rId8"/>
+    <p:sldId id="262" r:id="rId9"/>
+    <p:sldId id="257" r:id="rId10"/>
   </p:sldIdLst>
   <p:sldSz cx="12192000" cy="6858000"/>
   <p:notesSz cx="6858000" cy="9144000"/>
@@ -3353,8 +3353,8 @@
         </p:nvSpPr>
         <p:spPr>
           <a:xfrm>
-            <a:off x="1678339" y="1818206"/>
-            <a:ext cx="8589786" cy="1107996"/>
+            <a:off x="629174" y="1818206"/>
+            <a:ext cx="11562826" cy="400110"/>
           </a:xfrm>
           <a:prstGeom prst="rect">
             <a:avLst/>
@@ -3367,15 +3367,100 @@
           <a:lstStyle/>
           <a:p>
             <a:r>
-              <a:rPr lang="en-US" sz="6600" dirty="0">
-                <a:hlinkClick r:id="rId2"/>
+              <a:rPr lang="en-US" altLang="en-US" sz="2000" b="1" dirty="0">
+                <a:solidFill>
+                  <a:srgbClr val="00B050"/>
+                </a:solidFill>
+                <a:latin typeface="Arial Unicode MS"/>
               </a:rPr>
-              <a:t>http://bit.ly/credkiller</a:t>
-            </a:r>
-            <a:r>
-              <a:rPr lang="en-US" sz="6600" dirty="0"/>
+              <a:t>for /F "tokens=1,2 </a:t>
+            </a:r>
+            <a:r>
+              <a:rPr lang="en-US" altLang="en-US" sz="2000" b="1" dirty="0" err="1">
+                <a:solidFill>
+                  <a:srgbClr val="00B050"/>
+                </a:solidFill>
+                <a:latin typeface="Arial Unicode MS"/>
+              </a:rPr>
+              <a:t>delims</a:t>
+            </a:r>
+            <a:r>
+              <a:rPr lang="en-US" altLang="en-US" sz="2000" b="1" dirty="0">
+                <a:solidFill>
+                  <a:srgbClr val="00B050"/>
+                </a:solidFill>
+                <a:latin typeface="Arial Unicode MS"/>
+              </a:rPr>
+              <a:t>= " %G in ('</a:t>
+            </a:r>
+            <a:r>
+              <a:rPr lang="en-US" altLang="en-US" sz="2000" b="1" dirty="0" err="1">
+                <a:solidFill>
+                  <a:srgbClr val="00B050"/>
+                </a:solidFill>
+                <a:latin typeface="Arial Unicode MS"/>
+              </a:rPr>
+              <a:t>cmdkey</a:t>
+            </a:r>
+            <a:r>
+              <a:rPr lang="en-US" altLang="en-US" sz="2000" b="1" dirty="0">
+                <a:solidFill>
+                  <a:srgbClr val="00B050"/>
+                </a:solidFill>
+                <a:latin typeface="Arial Unicode MS"/>
+              </a:rPr>
+              <a:t> /list ^| </a:t>
+            </a:r>
+            <a:r>
+              <a:rPr lang="en-US" altLang="en-US" sz="2000" b="1" dirty="0" err="1">
+                <a:solidFill>
+                  <a:srgbClr val="00B050"/>
+                </a:solidFill>
+                <a:latin typeface="Arial Unicode MS"/>
+              </a:rPr>
+              <a:t>findstr</a:t>
+            </a:r>
+            <a:r>
+              <a:rPr lang="en-US" altLang="en-US" sz="2000" b="1" dirty="0">
+                <a:solidFill>
+                  <a:srgbClr val="00B050"/>
+                </a:solidFill>
+                <a:latin typeface="Arial Unicode MS"/>
+              </a:rPr>
+              <a:t> Target') do </a:t>
+            </a:r>
+            <a:r>
+              <a:rPr lang="en-US" altLang="en-US" sz="2000" b="1" dirty="0" err="1">
+                <a:solidFill>
+                  <a:srgbClr val="00B050"/>
+                </a:solidFill>
+                <a:latin typeface="Arial Unicode MS"/>
+              </a:rPr>
+              <a:t>cmdkey</a:t>
+            </a:r>
+            <a:r>
+              <a:rPr lang="en-US" altLang="en-US" sz="2000" b="1" dirty="0">
+                <a:solidFill>
+                  <a:srgbClr val="00B050"/>
+                </a:solidFill>
+                <a:latin typeface="Arial Unicode MS"/>
+              </a:rPr>
+              <a:t> /delete %H</a:t>
+            </a:r>
+            <a:r>
+              <a:rPr lang="en-US" altLang="en-US" sz="2000" b="1" dirty="0">
+                <a:solidFill>
+                  <a:srgbClr val="00B050"/>
+                </a:solidFill>
+              </a:rPr>
               <a:t> </a:t>
             </a:r>
+            <a:endParaRPr lang="en-US" altLang="en-US" sz="2000" b="1" dirty="0">
+              <a:solidFill>
+                <a:srgbClr val="00B050"/>
+              </a:solidFill>
+              <a:latin typeface="Arial" panose="020B0604020202020204" pitchFamily="34" charset="0"/>
+            </a:endParaRPr>
           </a:p>
         </p:txBody>
       </p:sp>
@@ -3452,6 +3537,77 @@
             <a:r>
               <a:rPr lang="en-US" sz="5400" dirty="0"/>
               <a:t>non admin command prompt</a:t>
+            </a:r>
+          </a:p>
+        </p:txBody>
+      </p:sp>
+      <p:sp>
+        <p:nvSpPr>
+          <p:cNvPr id="5" name="Rectangle 4">
+            <a:extLst>
+              <a:ext uri="{FF2B5EF4-FFF2-40B4-BE49-F238E27FC236}">
+                <a16:creationId xmlns:a16="http://schemas.microsoft.com/office/drawing/2014/main" id="{304BAEB6-B48E-4D40-AAA5-9CF20860B6D4}"/>
+              </a:ext>
+            </a:extLst>
+          </p:cNvPr>
+          <p:cNvSpPr/>
+          <p:nvPr/>
+        </p:nvSpPr>
+        <p:spPr>
+          <a:xfrm>
+            <a:off x="8381142" y="2298751"/>
+            <a:ext cx="2241576" cy="369332"/>
+          </a:xfrm>
+          <a:prstGeom prst="rect">
+            <a:avLst/>
+          </a:prstGeom>
+        </p:spPr>
+        <p:txBody>
+          <a:bodyPr wrap="none">
+            <a:spAutoFit/>
+          </a:bodyPr>
+          <a:lstStyle/>
+          <a:p>
+            <a:r>
+              <a:rPr lang="en-US" dirty="0">
+                <a:hlinkClick r:id="rId2"/>
+              </a:rPr>
+              <a:t>http://bit.ly/credkiller</a:t>
+            </a:r>
+            <a:endParaRPr lang="en-US" dirty="0"/>
+          </a:p>
+        </p:txBody>
+      </p:sp>
+      <p:sp>
+        <p:nvSpPr>
+          <p:cNvPr id="7" name="Rectangle 6">
+            <a:extLst>
+              <a:ext uri="{FF2B5EF4-FFF2-40B4-BE49-F238E27FC236}">
+                <a16:creationId xmlns:a16="http://schemas.microsoft.com/office/drawing/2014/main" id="{66E7FB05-0173-42B9-B7CE-6148F85297C6}"/>
+              </a:ext>
+            </a:extLst>
+          </p:cNvPr>
+          <p:cNvSpPr/>
+          <p:nvPr/>
+        </p:nvSpPr>
+        <p:spPr>
+          <a:xfrm>
+            <a:off x="6493620" y="2370414"/>
+            <a:ext cx="1974771" cy="276999"/>
+          </a:xfrm>
+          <a:prstGeom prst="rect">
+            <a:avLst/>
+          </a:prstGeom>
+        </p:spPr>
+        <p:txBody>
+          <a:bodyPr wrap="none">
+            <a:spAutoFit/>
+          </a:bodyPr>
+          <a:lstStyle/>
+          <a:p>
+            <a:r>
+              <a:rPr lang="en-US" sz="1200" dirty="0"/>
+              <a:t>Same text can be found here</a:t>
             </a:r>
           </a:p>
         </p:txBody>
@@ -3486,40 +3642,198 @@
           <a:chExt cx="0" cy="0"/>
         </a:xfrm>
       </p:grpSpPr>
-      <p:pic>
-        <p:nvPicPr>
-          <p:cNvPr id="5" name="Picture 4">
-            <a:extLst>
-              <a:ext uri="{FF2B5EF4-FFF2-40B4-BE49-F238E27FC236}">
-                <a16:creationId xmlns:a16="http://schemas.microsoft.com/office/drawing/2014/main" id="{1841F741-79EE-436F-8410-85227475C022}"/>
-              </a:ext>
-            </a:extLst>
-          </p:cNvPr>
-          <p:cNvPicPr>
-            <a:picLocks noChangeAspect="1"/>
-          </p:cNvPicPr>
+      <p:sp>
+        <p:nvSpPr>
+          <p:cNvPr id="2" name="Rectangle 1">
+            <a:extLst>
+              <a:ext uri="{FF2B5EF4-FFF2-40B4-BE49-F238E27FC236}">
+                <a16:creationId xmlns:a16="http://schemas.microsoft.com/office/drawing/2014/main" id="{6F46FC18-11AA-4D67-B814-9536FD7A0D03}"/>
+              </a:ext>
+            </a:extLst>
+          </p:cNvPr>
+          <p:cNvSpPr/>
           <p:nvPr/>
-        </p:nvPicPr>
-        <p:blipFill>
-          <a:blip r:embed="rId2"/>
-          <a:stretch>
-            <a:fillRect/>
-          </a:stretch>
-        </p:blipFill>
+        </p:nvSpPr>
         <p:spPr>
           <a:xfrm>
-            <a:off x="33337" y="23812"/>
-            <a:ext cx="12125325" cy="6810375"/>
+            <a:off x="3286299" y="428738"/>
+            <a:ext cx="5208990" cy="707886"/>
           </a:xfrm>
           <a:prstGeom prst="rect">
             <a:avLst/>
           </a:prstGeom>
         </p:spPr>
-      </p:pic>
+        <p:txBody>
+          <a:bodyPr wrap="none">
+            <a:spAutoFit/>
+          </a:bodyPr>
+          <a:lstStyle/>
+          <a:p>
+            <a:r>
+              <a:rPr lang="en-US" sz="4000" dirty="0">
+                <a:hlinkClick r:id="rId2"/>
+              </a:rPr>
+              <a:t>http://bit.ly/remlicense</a:t>
+            </a:r>
+            <a:endParaRPr lang="en-US" sz="4000" dirty="0"/>
+          </a:p>
+        </p:txBody>
+      </p:sp>
+      <p:sp>
+        <p:nvSpPr>
+          <p:cNvPr id="6" name="Rectangle 5">
+            <a:extLst>
+              <a:ext uri="{FF2B5EF4-FFF2-40B4-BE49-F238E27FC236}">
+                <a16:creationId xmlns:a16="http://schemas.microsoft.com/office/drawing/2014/main" id="{2EC345FE-C1C6-452B-81B0-37B91676A63D}"/>
+              </a:ext>
+            </a:extLst>
+          </p:cNvPr>
+          <p:cNvSpPr/>
+          <p:nvPr/>
+        </p:nvSpPr>
+        <p:spPr>
+          <a:xfrm>
+            <a:off x="3286299" y="3590093"/>
+            <a:ext cx="6413177" cy="2462213"/>
+          </a:xfrm>
+          <a:prstGeom prst="rect">
+            <a:avLst/>
+          </a:prstGeom>
+        </p:spPr>
+        <p:txBody>
+          <a:bodyPr wrap="square">
+            <a:spAutoFit/>
+          </a:bodyPr>
+          <a:lstStyle/>
+          <a:p>
+            <a:r>
+              <a:rPr lang="en-US" dirty="0"/>
+              <a:t>Then run this from a command prompt</a:t>
+            </a:r>
+          </a:p>
+          <a:p>
+            <a:r>
+              <a:rPr lang="en-US" sz="2800" b="1" dirty="0" err="1">
+                <a:solidFill>
+                  <a:srgbClr val="00B050"/>
+                </a:solidFill>
+              </a:rPr>
+              <a:t>cscript</a:t>
+            </a:r>
+            <a:r>
+              <a:rPr lang="en-US" sz="2800" b="1" dirty="0">
+                <a:solidFill>
+                  <a:srgbClr val="00B050"/>
+                </a:solidFill>
+              </a:rPr>
+              <a:t> "C:\scripts\offclean.vbs“</a:t>
+            </a:r>
+            <a:br>
+              <a:rPr lang="en-US" b="1" dirty="0"/>
+            </a:br>
+            <a:br>
+              <a:rPr lang="en-US" b="1" dirty="0"/>
+            </a:br>
+            <a:r>
+              <a:rPr lang="en-US" b="1" dirty="0"/>
+              <a:t>if it worked the result will just be this:</a:t>
+            </a:r>
+          </a:p>
+          <a:p>
+            <a:r>
+              <a:rPr lang="en-US" dirty="0"/>
+              <a:t>Microsoft (R) Windows Script Host Version 5.812</a:t>
+            </a:r>
+            <a:br>
+              <a:rPr lang="en-US" dirty="0"/>
+            </a:br>
+            <a:r>
+              <a:rPr lang="en-US" dirty="0"/>
+              <a:t>Copyright (C) Microsoft Corporation. All rights reserved.</a:t>
+            </a:r>
+          </a:p>
+          <a:p>
+            <a:endParaRPr lang="en-US" b="1" dirty="0"/>
+          </a:p>
+          <a:p>
+            <a:endParaRPr lang="en-US" dirty="0"/>
+          </a:p>
+        </p:txBody>
+      </p:sp>
+      <p:sp>
+        <p:nvSpPr>
+          <p:cNvPr id="8" name="Rectangle 7">
+            <a:extLst>
+              <a:ext uri="{FF2B5EF4-FFF2-40B4-BE49-F238E27FC236}">
+                <a16:creationId xmlns:a16="http://schemas.microsoft.com/office/drawing/2014/main" id="{29A625A3-8994-4BE2-893B-59CA8CD9A136}"/>
+              </a:ext>
+            </a:extLst>
+          </p:cNvPr>
+          <p:cNvSpPr/>
+          <p:nvPr/>
+        </p:nvSpPr>
+        <p:spPr>
+          <a:xfrm>
+            <a:off x="0" y="1239974"/>
+            <a:ext cx="12192000" cy="2246769"/>
+          </a:xfrm>
+          <a:prstGeom prst="rect">
+            <a:avLst/>
+          </a:prstGeom>
+        </p:spPr>
+        <p:txBody>
+          <a:bodyPr wrap="square">
+            <a:spAutoFit/>
+          </a:bodyPr>
+          <a:lstStyle/>
+          <a:p>
+            <a:r>
+              <a:rPr lang="en-US" sz="3200" dirty="0"/>
+              <a:t>Save the text in the link to notepad and name with .</a:t>
+            </a:r>
+            <a:r>
+              <a:rPr lang="en-US" sz="3200" dirty="0" err="1"/>
+              <a:t>vbs</a:t>
+            </a:r>
+            <a:r>
+              <a:rPr lang="en-US" sz="3200" dirty="0"/>
+              <a:t> extension:</a:t>
+            </a:r>
+          </a:p>
+          <a:p>
+            <a:r>
+              <a:rPr lang="en-US" sz="3600" b="1" dirty="0"/>
+              <a:t>                </a:t>
+            </a:r>
+            <a:br>
+              <a:rPr lang="en-US" sz="3600" b="1" dirty="0"/>
+            </a:br>
+            <a:r>
+              <a:rPr lang="en-US" sz="3600" b="1" dirty="0"/>
+              <a:t>              To this location:</a:t>
+            </a:r>
+          </a:p>
+          <a:p>
+            <a:r>
+              <a:rPr lang="en-US" sz="3600" b="1" dirty="0">
+                <a:solidFill>
+                  <a:srgbClr val="00B050"/>
+                </a:solidFill>
+              </a:rPr>
+              <a:t>                                    C:\scripts\offclean.vbs</a:t>
+            </a:r>
+            <a:endParaRPr lang="en-US" sz="3600" dirty="0">
+              <a:solidFill>
+                <a:srgbClr val="00B050"/>
+              </a:solidFill>
+            </a:endParaRPr>
+          </a:p>
+        </p:txBody>
+      </p:sp>
     </p:spTree>
     <p:extLst>
       <p:ext uri="{BB962C8B-B14F-4D97-AF65-F5344CB8AC3E}">
-        <p14:creationId xmlns:p14="http://schemas.microsoft.com/office/powerpoint/2010/main" val="355061947"/>
+        <p14:creationId xmlns:p14="http://schemas.microsoft.com/office/powerpoint/2010/main" val="220037179"/>
       </p:ext>
     </p:extLst>
   </p:cSld>
@@ -3530,66 +3844,6 @@
 </file>
 
 <file path=ppt/slides/slide3.xml><?xml version="1.0" encoding="utf-8"?>
-<p:sld xmlns:a="http://schemas.openxmlformats.org/drawingml/2006/main" xmlns:r="http://schemas.openxmlformats.org/officeDocument/2006/relationships" xmlns:p="http://schemas.openxmlformats.org/presentationml/2006/main">
-  <p:cSld>
-    <p:spTree>
-      <p:nvGrpSpPr>
-        <p:cNvPr id="1" name=""/>
-        <p:cNvGrpSpPr/>
-        <p:nvPr/>
-      </p:nvGrpSpPr>
-      <p:grpSpPr>
-        <a:xfrm>
-          <a:off x="0" y="0"/>
-          <a:ext cx="0" cy="0"/>
-          <a:chOff x="0" y="0"/>
-          <a:chExt cx="0" cy="0"/>
-        </a:xfrm>
-      </p:grpSpPr>
-      <p:pic>
-        <p:nvPicPr>
-          <p:cNvPr id="2" name="Picture 1">
-            <a:extLst>
-              <a:ext uri="{FF2B5EF4-FFF2-40B4-BE49-F238E27FC236}">
-                <a16:creationId xmlns:a16="http://schemas.microsoft.com/office/drawing/2014/main" id="{22862B04-6726-49CB-B5C3-D67CCC9F8D1A}"/>
-              </a:ext>
-            </a:extLst>
-          </p:cNvPr>
-          <p:cNvPicPr>
-            <a:picLocks noChangeAspect="1"/>
-          </p:cNvPicPr>
-          <p:nvPr/>
-        </p:nvPicPr>
-        <p:blipFill>
-          <a:blip r:embed="rId2"/>
-          <a:stretch>
-            <a:fillRect/>
-          </a:stretch>
-        </p:blipFill>
-        <p:spPr>
-          <a:xfrm>
-            <a:off x="552450" y="52387"/>
-            <a:ext cx="11087100" cy="6753225"/>
-          </a:xfrm>
-          <a:prstGeom prst="rect">
-            <a:avLst/>
-          </a:prstGeom>
-        </p:spPr>
-      </p:pic>
-    </p:spTree>
-    <p:extLst>
-      <p:ext uri="{BB962C8B-B14F-4D97-AF65-F5344CB8AC3E}">
-        <p14:creationId xmlns:p14="http://schemas.microsoft.com/office/powerpoint/2010/main" val="3406927371"/>
-      </p:ext>
-    </p:extLst>
-  </p:cSld>
-  <p:clrMapOvr>
-    <a:masterClrMapping/>
-  </p:clrMapOvr>
-</p:sld>
-</file>
-
-<file path=ppt/slides/slide4.xml><?xml version="1.0" encoding="utf-8"?>
 <p:sld xmlns:a="http://schemas.openxmlformats.org/drawingml/2006/main" xmlns:r="http://schemas.openxmlformats.org/officeDocument/2006/relationships" xmlns:p="http://schemas.openxmlformats.org/presentationml/2006/main">
   <p:cSld>
     <p:spTree>
@@ -3659,7 +3913,7 @@
 </p:sld>
 </file>
 
-<file path=ppt/slides/slide5.xml><?xml version="1.0" encoding="utf-8"?>
+<file path=ppt/slides/slide4.xml><?xml version="1.0" encoding="utf-8"?>
 <p:sld xmlns:a="http://schemas.openxmlformats.org/drawingml/2006/main" xmlns:r="http://schemas.openxmlformats.org/officeDocument/2006/relationships" xmlns:p="http://schemas.openxmlformats.org/presentationml/2006/main">
   <p:cSld>
     <p:spTree>
@@ -3926,6 +4180,105 @@
 </p:sld>
 </file>
 
+<file path=ppt/slides/slide5.xml><?xml version="1.0" encoding="utf-8"?>
+<p:sld xmlns:a="http://schemas.openxmlformats.org/drawingml/2006/main" xmlns:r="http://schemas.openxmlformats.org/officeDocument/2006/relationships" xmlns:p="http://schemas.openxmlformats.org/presentationml/2006/main">
+  <p:cSld>
+    <p:spTree>
+      <p:nvGrpSpPr>
+        <p:cNvPr id="1" name=""/>
+        <p:cNvGrpSpPr/>
+        <p:nvPr/>
+      </p:nvGrpSpPr>
+      <p:grpSpPr>
+        <a:xfrm>
+          <a:off x="0" y="0"/>
+          <a:ext cx="0" cy="0"/>
+          <a:chOff x="0" y="0"/>
+          <a:chExt cx="0" cy="0"/>
+        </a:xfrm>
+      </p:grpSpPr>
+      <p:pic>
+        <p:nvPicPr>
+          <p:cNvPr id="5" name="Picture 4">
+            <a:extLst>
+              <a:ext uri="{FF2B5EF4-FFF2-40B4-BE49-F238E27FC236}">
+                <a16:creationId xmlns:a16="http://schemas.microsoft.com/office/drawing/2014/main" id="{1841F741-79EE-436F-8410-85227475C022}"/>
+              </a:ext>
+            </a:extLst>
+          </p:cNvPr>
+          <p:cNvPicPr>
+            <a:picLocks noChangeAspect="1"/>
+          </p:cNvPicPr>
+          <p:nvPr/>
+        </p:nvPicPr>
+        <p:blipFill>
+          <a:blip r:embed="rId2"/>
+          <a:stretch>
+            <a:fillRect/>
+          </a:stretch>
+        </p:blipFill>
+        <p:spPr>
+          <a:xfrm>
+            <a:off x="33337" y="23812"/>
+            <a:ext cx="12125325" cy="6810375"/>
+          </a:xfrm>
+          <a:prstGeom prst="rect">
+            <a:avLst/>
+          </a:prstGeom>
+        </p:spPr>
+      </p:pic>
+      <p:sp>
+        <p:nvSpPr>
+          <p:cNvPr id="2" name="Rectangle 1">
+            <a:extLst>
+              <a:ext uri="{FF2B5EF4-FFF2-40B4-BE49-F238E27FC236}">
+                <a16:creationId xmlns:a16="http://schemas.microsoft.com/office/drawing/2014/main" id="{3E6529E5-E5AD-40DF-B933-4B86B3A09DA6}"/>
+              </a:ext>
+            </a:extLst>
+          </p:cNvPr>
+          <p:cNvSpPr/>
+          <p:nvPr/>
+        </p:nvSpPr>
+        <p:spPr>
+          <a:xfrm>
+            <a:off x="1" y="23812"/>
+            <a:ext cx="9974509" cy="523220"/>
+          </a:xfrm>
+          <a:prstGeom prst="rect">
+            <a:avLst/>
+          </a:prstGeom>
+        </p:spPr>
+        <p:txBody>
+          <a:bodyPr wrap="square">
+            <a:spAutoFit/>
+          </a:bodyPr>
+          <a:lstStyle/>
+          <a:p>
+            <a:pPr algn="ctr"/>
+            <a:r>
+              <a:rPr lang="en-US" sz="2800" b="1" dirty="0">
+                <a:solidFill>
+                  <a:srgbClr val="00B050"/>
+                </a:solidFill>
+              </a:rPr>
+              <a:t>If needed, remove connected Services - OneDrive and SharePoint</a:t>
+            </a:r>
+          </a:p>
+        </p:txBody>
+      </p:sp>
+    </p:spTree>
+    <p:extLst>
+      <p:ext uri="{BB962C8B-B14F-4D97-AF65-F5344CB8AC3E}">
+        <p14:creationId xmlns:p14="http://schemas.microsoft.com/office/powerpoint/2010/main" val="1313967840"/>
+      </p:ext>
+    </p:extLst>
+  </p:cSld>
+  <p:clrMapOvr>
+    <a:masterClrMapping/>
+  </p:clrMapOvr>
+</p:sld>
+</file>
+
 <file path=ppt/slides/slide6.xml><?xml version="1.0" encoding="utf-8"?>
 <p:sld xmlns:a="http://schemas.openxmlformats.org/drawingml/2006/main" xmlns:r="http://schemas.openxmlformats.org/officeDocument/2006/relationships" xmlns:p="http://schemas.openxmlformats.org/presentationml/2006/main">
   <p:cSld>
@@ -3943,49 +4296,42 @@
           <a:chExt cx="0" cy="0"/>
         </a:xfrm>
       </p:grpSpPr>
-      <p:sp>
-        <p:nvSpPr>
-          <p:cNvPr id="2" name="Rectangle 1">
-            <a:extLst>
-              <a:ext uri="{FF2B5EF4-FFF2-40B4-BE49-F238E27FC236}">
-                <a16:creationId xmlns:a16="http://schemas.microsoft.com/office/drawing/2014/main" id="{6F46FC18-11AA-4D67-B814-9536FD7A0D03}"/>
-              </a:ext>
-            </a:extLst>
-          </p:cNvPr>
-          <p:cNvSpPr/>
+      <p:pic>
+        <p:nvPicPr>
+          <p:cNvPr id="2" name="Picture 1">
+            <a:extLst>
+              <a:ext uri="{FF2B5EF4-FFF2-40B4-BE49-F238E27FC236}">
+                <a16:creationId xmlns:a16="http://schemas.microsoft.com/office/drawing/2014/main" id="{22862B04-6726-49CB-B5C3-D67CCC9F8D1A}"/>
+              </a:ext>
+            </a:extLst>
+          </p:cNvPr>
+          <p:cNvPicPr>
+            <a:picLocks noChangeAspect="1"/>
+          </p:cNvPicPr>
           <p:nvPr/>
-        </p:nvSpPr>
+        </p:nvPicPr>
+        <p:blipFill>
+          <a:blip r:embed="rId2"/>
+          <a:stretch>
+            <a:fillRect/>
+          </a:stretch>
+        </p:blipFill>
         <p:spPr>
           <a:xfrm>
-            <a:off x="3319855" y="2915698"/>
-            <a:ext cx="5208990" cy="707886"/>
+            <a:off x="552450" y="52387"/>
+            <a:ext cx="11087100" cy="6753225"/>
           </a:xfrm>
           <a:prstGeom prst="rect">
             <a:avLst/>
           </a:prstGeom>
         </p:spPr>
-        <p:txBody>
-          <a:bodyPr wrap="none">
-            <a:spAutoFit/>
-          </a:bodyPr>
-          <a:lstStyle/>
-          <a:p>
-            <a:r>
-              <a:rPr lang="en-US" sz="4000" dirty="0">
-                <a:hlinkClick r:id="rId2"/>
-              </a:rPr>
-              <a:t>http://bit.ly/remlicense</a:t>
-            </a:r>
-            <a:endParaRPr lang="en-US" sz="4000" dirty="0"/>
-          </a:p>
-        </p:txBody>
-      </p:sp>
-      <p:sp>
-        <p:nvSpPr>
-          <p:cNvPr id="6" name="Rectangle 5">
-            <a:extLst>
-              <a:ext uri="{FF2B5EF4-FFF2-40B4-BE49-F238E27FC236}">
-                <a16:creationId xmlns:a16="http://schemas.microsoft.com/office/drawing/2014/main" id="{2EC345FE-C1C6-452B-81B0-37B91676A63D}"/>
+      </p:pic>
+      <p:sp>
+        <p:nvSpPr>
+          <p:cNvPr id="3" name="Rectangle 2">
+            <a:extLst>
+              <a:ext uri="{FF2B5EF4-FFF2-40B4-BE49-F238E27FC236}">
+                <a16:creationId xmlns:a16="http://schemas.microsoft.com/office/drawing/2014/main" id="{39F91C7C-9D1D-48D0-8BC0-EAA676504678}"/>
               </a:ext>
             </a:extLst>
           </p:cNvPr>
@@ -3994,140 +4340,35 @@
         </p:nvSpPr>
         <p:spPr>
           <a:xfrm>
-            <a:off x="4290495" y="4401330"/>
-            <a:ext cx="5408981" cy="2308324"/>
+            <a:off x="1870746" y="5870939"/>
+            <a:ext cx="9974509" cy="523220"/>
           </a:xfrm>
           <a:prstGeom prst="rect">
             <a:avLst/>
           </a:prstGeom>
         </p:spPr>
         <p:txBody>
-          <a:bodyPr wrap="none">
+          <a:bodyPr wrap="square">
             <a:spAutoFit/>
           </a:bodyPr>
           <a:lstStyle/>
           <a:p>
-            <a:r>
-              <a:rPr lang="en-US" dirty="0"/>
-              <a:t>Then run this from a command prompt</a:t>
-            </a:r>
-          </a:p>
-          <a:p>
-            <a:r>
-              <a:rPr lang="en-US" b="1" dirty="0" err="1">
+            <a:pPr algn="ctr"/>
+            <a:r>
+              <a:rPr lang="en-US" sz="2800" b="1" dirty="0">
                 <a:solidFill>
                   <a:srgbClr val="00B050"/>
                 </a:solidFill>
               </a:rPr>
-              <a:t>cscript</a:t>
-            </a:r>
-            <a:r>
-              <a:rPr lang="en-US" b="1" dirty="0">
-                <a:solidFill>
-                  <a:srgbClr val="00B050"/>
-                </a:solidFill>
-              </a:rPr>
-              <a:t> "C:\scripts\offclean.vbs“</a:t>
-            </a:r>
-            <a:br>
-              <a:rPr lang="en-US" b="1" dirty="0"/>
-            </a:br>
-            <a:br>
-              <a:rPr lang="en-US" b="1" dirty="0"/>
-            </a:br>
-            <a:r>
-              <a:rPr lang="en-US" b="1" dirty="0"/>
-              <a:t>if it worked the result will just be this:</a:t>
-            </a:r>
-          </a:p>
-          <a:p>
-            <a:r>
-              <a:rPr lang="en-US" dirty="0"/>
-              <a:t>Microsoft (R) Windows Script Host Version 5.812</a:t>
-            </a:r>
-            <a:br>
-              <a:rPr lang="en-US" dirty="0"/>
-            </a:br>
-            <a:r>
-              <a:rPr lang="en-US" dirty="0"/>
-              <a:t>Copyright (C) Microsoft Corporation. All rights reserved.</a:t>
-            </a:r>
-          </a:p>
-          <a:p>
-            <a:endParaRPr lang="en-US" b="1" dirty="0"/>
-          </a:p>
-          <a:p>
-            <a:endParaRPr lang="en-US" dirty="0"/>
-          </a:p>
-        </p:txBody>
-      </p:sp>
-      <p:sp>
-        <p:nvSpPr>
-          <p:cNvPr id="8" name="Rectangle 7">
-            <a:extLst>
-              <a:ext uri="{FF2B5EF4-FFF2-40B4-BE49-F238E27FC236}">
-                <a16:creationId xmlns:a16="http://schemas.microsoft.com/office/drawing/2014/main" id="{29A625A3-8994-4BE2-893B-59CA8CD9A136}"/>
-              </a:ext>
-            </a:extLst>
-          </p:cNvPr>
-          <p:cNvSpPr/>
-          <p:nvPr/>
-        </p:nvSpPr>
-        <p:spPr>
-          <a:xfrm>
-            <a:off x="1" y="702344"/>
-            <a:ext cx="12192000" cy="1754326"/>
-          </a:xfrm>
-          <a:prstGeom prst="rect">
-            <a:avLst/>
-          </a:prstGeom>
-        </p:spPr>
-        <p:txBody>
-          <a:bodyPr wrap="square">
-            <a:spAutoFit/>
-          </a:bodyPr>
-          <a:lstStyle/>
-          <a:p>
-            <a:r>
-              <a:rPr lang="en-US" sz="3600" dirty="0"/>
-              <a:t>Save to notepad and name with .</a:t>
-            </a:r>
-            <a:r>
-              <a:rPr lang="en-US" sz="3600" dirty="0" err="1"/>
-              <a:t>vbs</a:t>
-            </a:r>
-            <a:r>
-              <a:rPr lang="en-US" sz="3600" dirty="0"/>
-              <a:t> extension:</a:t>
-            </a:r>
-          </a:p>
-          <a:p>
-            <a:r>
-              <a:rPr lang="en-US" sz="3600" b="1" dirty="0"/>
-              <a:t>                To this location:</a:t>
-            </a:r>
-          </a:p>
-          <a:p>
-            <a:r>
-              <a:rPr lang="en-US" sz="3600" b="1" dirty="0">
-                <a:solidFill>
-                  <a:srgbClr val="00B050"/>
-                </a:solidFill>
-              </a:rPr>
-              <a:t>                                    C:\scripts\offclean.vbs</a:t>
-            </a:r>
-            <a:endParaRPr lang="en-US" sz="3600" dirty="0">
-              <a:solidFill>
-                <a:srgbClr val="00B050"/>
-              </a:solidFill>
-            </a:endParaRPr>
+              <a:t>remove connected Services - OneDrive and SharePoint</a:t>
+            </a:r>
           </a:p>
         </p:txBody>
       </p:sp>
     </p:spTree>
     <p:extLst>
       <p:ext uri="{BB962C8B-B14F-4D97-AF65-F5344CB8AC3E}">
-        <p14:creationId xmlns:p14="http://schemas.microsoft.com/office/powerpoint/2010/main" val="220037179"/>
+        <p14:creationId xmlns:p14="http://schemas.microsoft.com/office/powerpoint/2010/main" val="3406927371"/>
       </p:ext>
     </p:extLst>
   </p:cSld>
@@ -4433,18 +4674,18 @@
 </file>
 
 <file path=customXml/item1.xml><?xml version="1.0" encoding="utf-8"?>
+<p:properties xmlns:p="http://schemas.microsoft.com/office/2006/metadata/properties" xmlns:xsi="http://www.w3.org/2001/XMLSchema-instance" xmlns:pc="http://schemas.microsoft.com/office/infopath/2007/PartnerControls">
+  <documentManagement/>
+</p:properties>
+</file>
+
+<file path=customXml/item2.xml><?xml version="1.0" encoding="utf-8"?>
 <?mso-contentType ?>
 <FormTemplates xmlns="http://schemas.microsoft.com/sharepoint/v3/contenttype/forms">
   <Display>DocumentLibraryForm</Display>
   <Edit>DocumentLibraryForm</Edit>
   <New>DocumentLibraryForm</New>
 </FormTemplates>
-</file>
-
-<file path=customXml/item2.xml><?xml version="1.0" encoding="utf-8"?>
-<p:properties xmlns:p="http://schemas.microsoft.com/office/2006/metadata/properties" xmlns:xsi="http://www.w3.org/2001/XMLSchema-instance" xmlns:pc="http://schemas.microsoft.com/office/infopath/2007/PartnerControls">
-  <documentManagement/>
-</p:properties>
 </file>
 
 <file path=customXml/item3.xml><?xml version="1.0" encoding="utf-8"?>
@@ -4633,18 +4874,18 @@
 </file>
 
 <file path=customXml/itemProps1.xml><?xml version="1.0" encoding="utf-8"?>
-<ds:datastoreItem xmlns:ds="http://schemas.openxmlformats.org/officeDocument/2006/customXml" ds:itemID="{F18A32B3-3D9D-41F6-A280-841D25AB9FB0}">
+<ds:datastoreItem xmlns:ds="http://schemas.openxmlformats.org/officeDocument/2006/customXml" ds:itemID="{3C8BF8FE-BB11-4761-AF7E-46B64D5804C1}">
   <ds:schemaRefs>
-    <ds:schemaRef ds:uri="http://schemas.microsoft.com/sharepoint/v3/contenttype/forms"/>
+    <ds:schemaRef ds:uri="http://schemas.microsoft.com/office/2006/metadata/properties"/>
+    <ds:schemaRef ds:uri="http://schemas.microsoft.com/office/infopath/2007/PartnerControls"/>
   </ds:schemaRefs>
 </ds:datastoreItem>
 </file>
 
 <file path=customXml/itemProps2.xml><?xml version="1.0" encoding="utf-8"?>
-<ds:datastoreItem xmlns:ds="http://schemas.openxmlformats.org/officeDocument/2006/customXml" ds:itemID="{3C8BF8FE-BB11-4761-AF7E-46B64D5804C1}">
+<ds:datastoreItem xmlns:ds="http://schemas.openxmlformats.org/officeDocument/2006/customXml" ds:itemID="{F18A32B3-3D9D-41F6-A280-841D25AB9FB0}">
   <ds:schemaRefs>
-    <ds:schemaRef ds:uri="http://schemas.microsoft.com/office/2006/metadata/properties"/>
-    <ds:schemaRef ds:uri="http://schemas.microsoft.com/office/infopath/2007/PartnerControls"/>
+    <ds:schemaRef ds:uri="http://schemas.microsoft.com/sharepoint/v3/contenttype/forms"/>
   </ds:schemaRefs>
 </ds:datastoreItem>
 </file>

--- a/Posh365Demo/PPT/SetupOutlook.pptx
+++ b/Posh365Demo/PPT/SetupOutlook.pptx
@@ -3882,8 +3882,8 @@
         </p:blipFill>
         <p:spPr>
           <a:xfrm>
-            <a:off x="1436428" y="442038"/>
-            <a:ext cx="8124825" cy="5600700"/>
+            <a:off x="363894" y="191392"/>
+            <a:ext cx="6011682" cy="4144043"/>
           </a:xfrm>
           <a:prstGeom prst="rect">
             <a:avLst/>
@@ -3900,6 +3900,137 @@
           </a:effectLst>
         </p:spPr>
       </p:pic>
+      <p:sp>
+        <p:nvSpPr>
+          <p:cNvPr id="2" name="TextBox 1">
+            <a:extLst>
+              <a:ext uri="{FF2B5EF4-FFF2-40B4-BE49-F238E27FC236}">
+                <a16:creationId xmlns:a16="http://schemas.microsoft.com/office/drawing/2014/main" id="{8CA1934A-F9CB-4683-8B29-F1A3839C42D7}"/>
+              </a:ext>
+            </a:extLst>
+          </p:cNvPr>
+          <p:cNvSpPr txBox="1"/>
+          <p:nvPr/>
+        </p:nvSpPr>
+        <p:spPr>
+          <a:xfrm>
+            <a:off x="1741828" y="5701336"/>
+            <a:ext cx="9072352" cy="461665"/>
+          </a:xfrm>
+          <a:prstGeom prst="rect">
+            <a:avLst/>
+          </a:prstGeom>
+          <a:noFill/>
+        </p:spPr>
+        <p:txBody>
+          <a:bodyPr wrap="square" rtlCol="0">
+            <a:spAutoFit/>
+          </a:bodyPr>
+          <a:lstStyle/>
+          <a:p>
+            <a:r>
+              <a:rPr lang="en-US" sz="2400" dirty="0"/>
+              <a:t>Note: In rare cases, some computers require Outlook</a:t>
+            </a:r>
+            <a:r>
+              <a:rPr lang="en-US" sz="2400" b="1" u="sng" dirty="0">
+                <a:solidFill>
+                  <a:srgbClr val="00B050"/>
+                </a:solidFill>
+              </a:rPr>
+              <a:t>.exe</a:t>
+            </a:r>
+            <a:r>
+              <a:rPr lang="en-US" sz="2400" dirty="0"/>
+              <a:t> /profiles</a:t>
+            </a:r>
+          </a:p>
+        </p:txBody>
+      </p:sp>
+      <p:pic>
+        <p:nvPicPr>
+          <p:cNvPr id="3" name="Picture 2">
+            <a:extLst>
+              <a:ext uri="{FF2B5EF4-FFF2-40B4-BE49-F238E27FC236}">
+                <a16:creationId xmlns:a16="http://schemas.microsoft.com/office/drawing/2014/main" id="{08D514DB-5E6D-4D43-A288-0E7FC395C9F6}"/>
+              </a:ext>
+            </a:extLst>
+          </p:cNvPr>
+          <p:cNvPicPr>
+            <a:picLocks noChangeAspect="1"/>
+          </p:cNvPicPr>
+          <p:nvPr/>
+        </p:nvPicPr>
+        <p:blipFill rotWithShape="1">
+          <a:blip r:embed="rId3"/>
+          <a:srcRect r="16683"/>
+          <a:stretch/>
+        </p:blipFill>
+        <p:spPr>
+          <a:xfrm>
+            <a:off x="7286165" y="4060272"/>
+            <a:ext cx="4126060" cy="1478286"/>
+          </a:xfrm>
+          <a:prstGeom prst="rect">
+            <a:avLst/>
+          </a:prstGeom>
+          <a:ln>
+            <a:noFill/>
+          </a:ln>
+          <a:effectLst>
+            <a:outerShdw blurRad="292100" dist="139700" dir="2700000" algn="tl" rotWithShape="0">
+              <a:srgbClr val="333333">
+                <a:alpha val="65000"/>
+              </a:srgbClr>
+            </a:outerShdw>
+          </a:effectLst>
+        </p:spPr>
+      </p:pic>
+      <p:sp>
+        <p:nvSpPr>
+          <p:cNvPr id="5" name="TextBox 4">
+            <a:extLst>
+              <a:ext uri="{FF2B5EF4-FFF2-40B4-BE49-F238E27FC236}">
+                <a16:creationId xmlns:a16="http://schemas.microsoft.com/office/drawing/2014/main" id="{6331029E-CC11-4066-9D71-4E4B4DA87D0F}"/>
+              </a:ext>
+            </a:extLst>
+          </p:cNvPr>
+          <p:cNvSpPr txBox="1"/>
+          <p:nvPr/>
+        </p:nvSpPr>
+        <p:spPr>
+          <a:xfrm>
+            <a:off x="7286164" y="3758527"/>
+            <a:ext cx="4126059" cy="461665"/>
+          </a:xfrm>
+          <a:prstGeom prst="rect">
+            <a:avLst/>
+          </a:prstGeom>
+          <a:solidFill>
+            <a:schemeClr val="tx1">
+              <a:lumMod val="95000"/>
+              <a:lumOff val="5000"/>
+            </a:schemeClr>
+          </a:solidFill>
+        </p:spPr>
+        <p:txBody>
+          <a:bodyPr wrap="square" rtlCol="0">
+            <a:spAutoFit/>
+          </a:bodyPr>
+          <a:lstStyle/>
+          <a:p>
+            <a:pPr algn="ctr"/>
+            <a:r>
+              <a:rPr lang="en-US" sz="2400" b="1" dirty="0">
+                <a:solidFill>
+                  <a:schemeClr val="bg1"/>
+                </a:solidFill>
+              </a:rPr>
+              <a:t>Note the space after Outlook</a:t>
+            </a:r>
+          </a:p>
+        </p:txBody>
+      </p:sp>
     </p:spTree>
     <p:extLst>
       <p:ext uri="{BB962C8B-B14F-4D97-AF65-F5344CB8AC3E}">
@@ -4674,18 +4805,18 @@
 </file>
 
 <file path=customXml/item1.xml><?xml version="1.0" encoding="utf-8"?>
-<p:properties xmlns:p="http://schemas.microsoft.com/office/2006/metadata/properties" xmlns:xsi="http://www.w3.org/2001/XMLSchema-instance" xmlns:pc="http://schemas.microsoft.com/office/infopath/2007/PartnerControls">
-  <documentManagement/>
-</p:properties>
-</file>
-
-<file path=customXml/item2.xml><?xml version="1.0" encoding="utf-8"?>
 <?mso-contentType ?>
 <FormTemplates xmlns="http://schemas.microsoft.com/sharepoint/v3/contenttype/forms">
   <Display>DocumentLibraryForm</Display>
   <Edit>DocumentLibraryForm</Edit>
   <New>DocumentLibraryForm</New>
 </FormTemplates>
+</file>
+
+<file path=customXml/item2.xml><?xml version="1.0" encoding="utf-8"?>
+<p:properties xmlns:p="http://schemas.microsoft.com/office/2006/metadata/properties" xmlns:xsi="http://www.w3.org/2001/XMLSchema-instance" xmlns:pc="http://schemas.microsoft.com/office/infopath/2007/PartnerControls">
+  <documentManagement/>
+</p:properties>
 </file>
 
 <file path=customXml/item3.xml><?xml version="1.0" encoding="utf-8"?>
@@ -4874,18 +5005,18 @@
 </file>
 
 <file path=customXml/itemProps1.xml><?xml version="1.0" encoding="utf-8"?>
-<ds:datastoreItem xmlns:ds="http://schemas.openxmlformats.org/officeDocument/2006/customXml" ds:itemID="{3C8BF8FE-BB11-4761-AF7E-46B64D5804C1}">
+<ds:datastoreItem xmlns:ds="http://schemas.openxmlformats.org/officeDocument/2006/customXml" ds:itemID="{F18A32B3-3D9D-41F6-A280-841D25AB9FB0}">
   <ds:schemaRefs>
-    <ds:schemaRef ds:uri="http://schemas.microsoft.com/office/2006/metadata/properties"/>
-    <ds:schemaRef ds:uri="http://schemas.microsoft.com/office/infopath/2007/PartnerControls"/>
+    <ds:schemaRef ds:uri="http://schemas.microsoft.com/sharepoint/v3/contenttype/forms"/>
   </ds:schemaRefs>
 </ds:datastoreItem>
 </file>
 
 <file path=customXml/itemProps2.xml><?xml version="1.0" encoding="utf-8"?>
-<ds:datastoreItem xmlns:ds="http://schemas.openxmlformats.org/officeDocument/2006/customXml" ds:itemID="{F18A32B3-3D9D-41F6-A280-841D25AB9FB0}">
+<ds:datastoreItem xmlns:ds="http://schemas.openxmlformats.org/officeDocument/2006/customXml" ds:itemID="{3C8BF8FE-BB11-4761-AF7E-46B64D5804C1}">
   <ds:schemaRefs>
-    <ds:schemaRef ds:uri="http://schemas.microsoft.com/sharepoint/v3/contenttype/forms"/>
+    <ds:schemaRef ds:uri="http://schemas.microsoft.com/office/2006/metadata/properties"/>
+    <ds:schemaRef ds:uri="http://schemas.microsoft.com/office/infopath/2007/PartnerControls"/>
   </ds:schemaRefs>
 </ds:datastoreItem>
 </file>
